--- a/кр удаленка/спектры.pptx
+++ b/кр удаленка/спектры.pptx
@@ -104,6 +104,11 @@
       </a:defRPr>
     </a:lvl9pPr>
   </p:defaultTextStyle>
+  <p:extLst>
+    <p:ext uri="{EFAFB233-063F-42B5-8137-9DF3F51BA10A}">
+      <p15:sldGuideLst xmlns:p15="http://schemas.microsoft.com/office/powerpoint/2012/main"/>
+    </p:ext>
+  </p:extLst>
 </p:presentation>
 </file>
 
@@ -238,7 +243,7 @@
           <a:p>
             <a:fld id="{ADB27F47-EC01-4058-8F52-BEC76389134B}" type="datetimeFigureOut">
               <a:rPr lang="ru-RU" smtClean="0"/>
-              <a:t>17.10.2020</a:t>
+              <a:t>09.11.2020</a:t>
             </a:fld>
             <a:endParaRPr lang="ru-RU"/>
           </a:p>
@@ -408,7 +413,7 @@
           <a:p>
             <a:fld id="{ADB27F47-EC01-4058-8F52-BEC76389134B}" type="datetimeFigureOut">
               <a:rPr lang="ru-RU" smtClean="0"/>
-              <a:t>17.10.2020</a:t>
+              <a:t>09.11.2020</a:t>
             </a:fld>
             <a:endParaRPr lang="ru-RU"/>
           </a:p>
@@ -588,7 +593,7 @@
           <a:p>
             <a:fld id="{ADB27F47-EC01-4058-8F52-BEC76389134B}" type="datetimeFigureOut">
               <a:rPr lang="ru-RU" smtClean="0"/>
-              <a:t>17.10.2020</a:t>
+              <a:t>09.11.2020</a:t>
             </a:fld>
             <a:endParaRPr lang="ru-RU"/>
           </a:p>
@@ -758,7 +763,7 @@
           <a:p>
             <a:fld id="{ADB27F47-EC01-4058-8F52-BEC76389134B}" type="datetimeFigureOut">
               <a:rPr lang="ru-RU" smtClean="0"/>
-              <a:t>17.10.2020</a:t>
+              <a:t>09.11.2020</a:t>
             </a:fld>
             <a:endParaRPr lang="ru-RU"/>
           </a:p>
@@ -1004,7 +1009,7 @@
           <a:p>
             <a:fld id="{ADB27F47-EC01-4058-8F52-BEC76389134B}" type="datetimeFigureOut">
               <a:rPr lang="ru-RU" smtClean="0"/>
-              <a:t>17.10.2020</a:t>
+              <a:t>09.11.2020</a:t>
             </a:fld>
             <a:endParaRPr lang="ru-RU"/>
           </a:p>
@@ -1236,7 +1241,7 @@
           <a:p>
             <a:fld id="{ADB27F47-EC01-4058-8F52-BEC76389134B}" type="datetimeFigureOut">
               <a:rPr lang="ru-RU" smtClean="0"/>
-              <a:t>17.10.2020</a:t>
+              <a:t>09.11.2020</a:t>
             </a:fld>
             <a:endParaRPr lang="ru-RU"/>
           </a:p>
@@ -1603,7 +1608,7 @@
           <a:p>
             <a:fld id="{ADB27F47-EC01-4058-8F52-BEC76389134B}" type="datetimeFigureOut">
               <a:rPr lang="ru-RU" smtClean="0"/>
-              <a:t>17.10.2020</a:t>
+              <a:t>09.11.2020</a:t>
             </a:fld>
             <a:endParaRPr lang="ru-RU"/>
           </a:p>
@@ -1721,7 +1726,7 @@
           <a:p>
             <a:fld id="{ADB27F47-EC01-4058-8F52-BEC76389134B}" type="datetimeFigureOut">
               <a:rPr lang="ru-RU" smtClean="0"/>
-              <a:t>17.10.2020</a:t>
+              <a:t>09.11.2020</a:t>
             </a:fld>
             <a:endParaRPr lang="ru-RU"/>
           </a:p>
@@ -1816,7 +1821,7 @@
           <a:p>
             <a:fld id="{ADB27F47-EC01-4058-8F52-BEC76389134B}" type="datetimeFigureOut">
               <a:rPr lang="ru-RU" smtClean="0"/>
-              <a:t>17.10.2020</a:t>
+              <a:t>09.11.2020</a:t>
             </a:fld>
             <a:endParaRPr lang="ru-RU"/>
           </a:p>
@@ -2093,7 +2098,7 @@
           <a:p>
             <a:fld id="{ADB27F47-EC01-4058-8F52-BEC76389134B}" type="datetimeFigureOut">
               <a:rPr lang="ru-RU" smtClean="0"/>
-              <a:t>17.10.2020</a:t>
+              <a:t>09.11.2020</a:t>
             </a:fld>
             <a:endParaRPr lang="ru-RU"/>
           </a:p>
@@ -2346,7 +2351,7 @@
           <a:p>
             <a:fld id="{ADB27F47-EC01-4058-8F52-BEC76389134B}" type="datetimeFigureOut">
               <a:rPr lang="ru-RU" smtClean="0"/>
-              <a:t>17.10.2020</a:t>
+              <a:t>09.11.2020</a:t>
             </a:fld>
             <a:endParaRPr lang="ru-RU"/>
           </a:p>
@@ -2559,7 +2564,7 @@
           <a:p>
             <a:fld id="{ADB27F47-EC01-4058-8F52-BEC76389134B}" type="datetimeFigureOut">
               <a:rPr lang="ru-RU" smtClean="0"/>
-              <a:t>17.10.2020</a:t>
+              <a:t>09.11.2020</a:t>
             </a:fld>
             <a:endParaRPr lang="ru-RU"/>
           </a:p>
@@ -3094,15 +3099,7 @@
                   </a:r>
                   <a:r>
                     <a:rPr lang="en-US" sz="900" dirty="0" smtClean="0"/>
-                    <a:t> (0</a:t>
-                  </a:r>
-                  <a:r>
-                    <a:rPr lang="en-US" sz="900" dirty="0" smtClean="0"/>
-                    <a:t> → </a:t>
-                  </a:r>
-                  <a:r>
-                    <a:rPr lang="en-US" sz="900" dirty="0" smtClean="0"/>
-                    <a:t>5)</a:t>
+                    <a:t> (0 → 5)</a:t>
                   </a:r>
                   <a:endParaRPr lang="ru-RU" sz="900" dirty="0"/>
                 </a:p>
@@ -3162,15 +3159,7 @@
                 <a:p>
                   <a:r>
                     <a:rPr lang="en-US" sz="900" dirty="0" smtClean="0"/>
-                    <a:t>4343,6 (0-</a:t>
-                  </a:r>
-                  <a:r>
-                    <a:rPr lang="en-US" sz="900" dirty="0" smtClean="0"/>
-                    <a:t>→ </a:t>
-                  </a:r>
-                  <a:r>
-                    <a:rPr lang="en-US" sz="900" dirty="0" smtClean="0"/>
-                    <a:t>4)</a:t>
+                    <a:t>4343,6 (0-→ 4)</a:t>
                   </a:r>
                   <a:endParaRPr lang="ru-RU" sz="900" dirty="0"/>
                 </a:p>
@@ -3963,66 +3952,6 @@
           </p:sp>
           <p:cxnSp>
             <p:nvCxnSpPr>
-              <p:cNvPr id="42" name="Прямая соединительная линия 41"/>
-              <p:cNvCxnSpPr/>
-              <p:nvPr/>
-            </p:nvCxnSpPr>
-            <p:spPr>
-              <a:xfrm>
-                <a:off x="5253306" y="4109830"/>
-                <a:ext cx="0" cy="2126974"/>
-              </a:xfrm>
-              <a:prstGeom prst="line">
-                <a:avLst/>
-              </a:prstGeom>
-            </p:spPr>
-            <p:style>
-              <a:lnRef idx="3">
-                <a:schemeClr val="dk1"/>
-              </a:lnRef>
-              <a:fillRef idx="0">
-                <a:schemeClr val="dk1"/>
-              </a:fillRef>
-              <a:effectRef idx="2">
-                <a:schemeClr val="dk1"/>
-              </a:effectRef>
-              <a:fontRef idx="minor">
-                <a:schemeClr val="tx1"/>
-              </a:fontRef>
-            </p:style>
-          </p:cxnSp>
-          <p:sp>
-            <p:nvSpPr>
-              <p:cNvPr id="43" name="TextBox 42"/>
-              <p:cNvSpPr txBox="1"/>
-              <p:nvPr/>
-            </p:nvSpPr>
-            <p:spPr>
-              <a:xfrm rot="16200000">
-                <a:off x="4687013" y="3519818"/>
-                <a:ext cx="1088332" cy="230832"/>
-              </a:xfrm>
-              <a:prstGeom prst="rect">
-                <a:avLst/>
-              </a:prstGeom>
-              <a:noFill/>
-            </p:spPr>
-            <p:txBody>
-              <a:bodyPr wrap="square" rtlCol="0">
-                <a:spAutoFit/>
-              </a:bodyPr>
-              <a:lstStyle/>
-              <a:p>
-                <a:r>
-                  <a:rPr lang="en-US" sz="900" dirty="0" smtClean="0"/>
-                  <a:t>4976,4 (4→11)</a:t>
-                </a:r>
-                <a:endParaRPr lang="ru-RU" sz="900" dirty="0"/>
-              </a:p>
-            </p:txBody>
-          </p:sp>
-          <p:cxnSp>
-            <p:nvCxnSpPr>
               <p:cNvPr id="44" name="Прямая соединительная линия 43"/>
               <p:cNvCxnSpPr/>
               <p:nvPr/>
@@ -4174,7 +4103,11 @@
             <a:p>
               <a:r>
                 <a:rPr lang="ru-RU" sz="1000" dirty="0" smtClean="0"/>
-                <a:t>Первая положительная система азота</a:t>
+                <a:t>Вторая положительная </a:t>
+              </a:r>
+              <a:r>
+                <a:rPr lang="ru-RU" sz="1000" dirty="0" smtClean="0"/>
+                <a:t>система азота</a:t>
               </a:r>
               <a:endParaRPr lang="ru-RU" sz="1000" dirty="0"/>
             </a:p>
@@ -4204,7 +4137,11 @@
             <a:p>
               <a:r>
                 <a:rPr lang="ru-RU" sz="1000" dirty="0" smtClean="0"/>
-                <a:t>Вторая положительная система азота</a:t>
+                <a:t>Первая положительная </a:t>
+              </a:r>
+              <a:r>
+                <a:rPr lang="ru-RU" sz="1000" dirty="0" smtClean="0"/>
+                <a:t>система азота</a:t>
               </a:r>
               <a:endParaRPr lang="ru-RU" sz="1000" dirty="0"/>
             </a:p>
